--- a/实现领域驱动设计/示意图.pptx
+++ b/实现领域驱动设计/示意图.pptx
@@ -9,6 +9,8 @@
     <p:sldId id="257" r:id="rId3"/>
     <p:sldId id="258" r:id="rId4"/>
     <p:sldId id="259" r:id="rId5"/>
+    <p:sldId id="260" r:id="rId6"/>
+    <p:sldId id="261" r:id="rId7"/>
   </p:sldIdLst>
   <p:sldSz cx="12192000" cy="6858000"/>
   <p:notesSz cx="6858000" cy="9144000"/>
@@ -262,7 +264,7 @@
           <a:p>
             <a:fld id="{0B5549CC-8330-44BA-8ADF-4B2199007108}" type="datetimeFigureOut">
               <a:rPr lang="zh-CN" altLang="en-US" smtClean="0"/>
-              <a:t>2022/3/31</a:t>
+              <a:t>2022/5/8</a:t>
             </a:fld>
             <a:endParaRPr lang="zh-CN" altLang="en-US"/>
           </a:p>
@@ -460,7 +462,7 @@
           <a:p>
             <a:fld id="{0B5549CC-8330-44BA-8ADF-4B2199007108}" type="datetimeFigureOut">
               <a:rPr lang="zh-CN" altLang="en-US" smtClean="0"/>
-              <a:t>2022/3/31</a:t>
+              <a:t>2022/5/8</a:t>
             </a:fld>
             <a:endParaRPr lang="zh-CN" altLang="en-US"/>
           </a:p>
@@ -668,7 +670,7 @@
           <a:p>
             <a:fld id="{0B5549CC-8330-44BA-8ADF-4B2199007108}" type="datetimeFigureOut">
               <a:rPr lang="zh-CN" altLang="en-US" smtClean="0"/>
-              <a:t>2022/3/31</a:t>
+              <a:t>2022/5/8</a:t>
             </a:fld>
             <a:endParaRPr lang="zh-CN" altLang="en-US"/>
           </a:p>
@@ -866,7 +868,7 @@
           <a:p>
             <a:fld id="{0B5549CC-8330-44BA-8ADF-4B2199007108}" type="datetimeFigureOut">
               <a:rPr lang="zh-CN" altLang="en-US" smtClean="0"/>
-              <a:t>2022/3/31</a:t>
+              <a:t>2022/5/8</a:t>
             </a:fld>
             <a:endParaRPr lang="zh-CN" altLang="en-US"/>
           </a:p>
@@ -1141,7 +1143,7 @@
           <a:p>
             <a:fld id="{0B5549CC-8330-44BA-8ADF-4B2199007108}" type="datetimeFigureOut">
               <a:rPr lang="zh-CN" altLang="en-US" smtClean="0"/>
-              <a:t>2022/3/31</a:t>
+              <a:t>2022/5/8</a:t>
             </a:fld>
             <a:endParaRPr lang="zh-CN" altLang="en-US"/>
           </a:p>
@@ -1406,7 +1408,7 @@
           <a:p>
             <a:fld id="{0B5549CC-8330-44BA-8ADF-4B2199007108}" type="datetimeFigureOut">
               <a:rPr lang="zh-CN" altLang="en-US" smtClean="0"/>
-              <a:t>2022/3/31</a:t>
+              <a:t>2022/5/8</a:t>
             </a:fld>
             <a:endParaRPr lang="zh-CN" altLang="en-US"/>
           </a:p>
@@ -1818,7 +1820,7 @@
           <a:p>
             <a:fld id="{0B5549CC-8330-44BA-8ADF-4B2199007108}" type="datetimeFigureOut">
               <a:rPr lang="zh-CN" altLang="en-US" smtClean="0"/>
-              <a:t>2022/3/31</a:t>
+              <a:t>2022/5/8</a:t>
             </a:fld>
             <a:endParaRPr lang="zh-CN" altLang="en-US"/>
           </a:p>
@@ -1959,7 +1961,7 @@
           <a:p>
             <a:fld id="{0B5549CC-8330-44BA-8ADF-4B2199007108}" type="datetimeFigureOut">
               <a:rPr lang="zh-CN" altLang="en-US" smtClean="0"/>
-              <a:t>2022/3/31</a:t>
+              <a:t>2022/5/8</a:t>
             </a:fld>
             <a:endParaRPr lang="zh-CN" altLang="en-US"/>
           </a:p>
@@ -2072,7 +2074,7 @@
           <a:p>
             <a:fld id="{0B5549CC-8330-44BA-8ADF-4B2199007108}" type="datetimeFigureOut">
               <a:rPr lang="zh-CN" altLang="en-US" smtClean="0"/>
-              <a:t>2022/3/31</a:t>
+              <a:t>2022/5/8</a:t>
             </a:fld>
             <a:endParaRPr lang="zh-CN" altLang="en-US"/>
           </a:p>
@@ -2383,7 +2385,7 @@
           <a:p>
             <a:fld id="{0B5549CC-8330-44BA-8ADF-4B2199007108}" type="datetimeFigureOut">
               <a:rPr lang="zh-CN" altLang="en-US" smtClean="0"/>
-              <a:t>2022/3/31</a:t>
+              <a:t>2022/5/8</a:t>
             </a:fld>
             <a:endParaRPr lang="zh-CN" altLang="en-US"/>
           </a:p>
@@ -2671,7 +2673,7 @@
           <a:p>
             <a:fld id="{0B5549CC-8330-44BA-8ADF-4B2199007108}" type="datetimeFigureOut">
               <a:rPr lang="zh-CN" altLang="en-US" smtClean="0"/>
-              <a:t>2022/3/31</a:t>
+              <a:t>2022/5/8</a:t>
             </a:fld>
             <a:endParaRPr lang="zh-CN" altLang="en-US"/>
           </a:p>
@@ -2912,7 +2914,7 @@
           <a:p>
             <a:fld id="{0B5549CC-8330-44BA-8ADF-4B2199007108}" type="datetimeFigureOut">
               <a:rPr lang="zh-CN" altLang="en-US" smtClean="0"/>
-              <a:t>2022/3/31</a:t>
+              <a:t>2022/5/8</a:t>
             </a:fld>
             <a:endParaRPr lang="zh-CN" altLang="en-US"/>
           </a:p>
@@ -8652,6 +8654,1264 @@
 </p:sld>
 </file>
 
+<file path=ppt/slides/slide5.xml><?xml version="1.0" encoding="utf-8"?>
+<p:sld xmlns:a="http://schemas.openxmlformats.org/drawingml/2006/main" xmlns:r="http://schemas.openxmlformats.org/officeDocument/2006/relationships" xmlns:p="http://schemas.openxmlformats.org/presentationml/2006/main">
+  <p:cSld>
+    <p:spTree>
+      <p:nvGrpSpPr>
+        <p:cNvPr id="1" name=""/>
+        <p:cNvGrpSpPr/>
+        <p:nvPr/>
+      </p:nvGrpSpPr>
+      <p:grpSpPr>
+        <a:xfrm>
+          <a:off x="0" y="0"/>
+          <a:ext cx="0" cy="0"/>
+          <a:chOff x="0" y="0"/>
+          <a:chExt cx="0" cy="0"/>
+        </a:xfrm>
+      </p:grpSpPr>
+      <p:sp>
+        <p:nvSpPr>
+          <p:cNvPr id="4" name="矩形 3">
+            <a:extLst>
+              <a:ext uri="{FF2B5EF4-FFF2-40B4-BE49-F238E27FC236}">
+                <a16:creationId xmlns:a16="http://schemas.microsoft.com/office/drawing/2014/main" id="{24458297-1A12-EF98-1414-150F4227764A}"/>
+              </a:ext>
+            </a:extLst>
+          </p:cNvPr>
+          <p:cNvSpPr/>
+          <p:nvPr/>
+        </p:nvSpPr>
+        <p:spPr>
+          <a:xfrm>
+            <a:off x="681644" y="931025"/>
+            <a:ext cx="2768138" cy="2269375"/>
+          </a:xfrm>
+          <a:prstGeom prst="rect">
+            <a:avLst/>
+          </a:prstGeom>
+        </p:spPr>
+        <p:style>
+          <a:lnRef idx="2">
+            <a:schemeClr val="dk1"/>
+          </a:lnRef>
+          <a:fillRef idx="1">
+            <a:schemeClr val="lt1"/>
+          </a:fillRef>
+          <a:effectRef idx="0">
+            <a:schemeClr val="dk1"/>
+          </a:effectRef>
+          <a:fontRef idx="minor">
+            <a:schemeClr val="dk1"/>
+          </a:fontRef>
+        </p:style>
+        <p:txBody>
+          <a:bodyPr rtlCol="0" anchor="ctr"/>
+          <a:lstStyle/>
+          <a:p>
+            <a:pPr algn="ctr"/>
+            <a:endParaRPr lang="zh-CN" altLang="en-US"/>
+          </a:p>
+        </p:txBody>
+      </p:sp>
+      <p:sp>
+        <p:nvSpPr>
+          <p:cNvPr id="47" name="矩形 46">
+            <a:extLst>
+              <a:ext uri="{FF2B5EF4-FFF2-40B4-BE49-F238E27FC236}">
+                <a16:creationId xmlns:a16="http://schemas.microsoft.com/office/drawing/2014/main" id="{842170DB-DEBA-D404-8AE6-2727B57288B6}"/>
+              </a:ext>
+            </a:extLst>
+          </p:cNvPr>
+          <p:cNvSpPr/>
+          <p:nvPr/>
+        </p:nvSpPr>
+        <p:spPr>
+          <a:xfrm>
+            <a:off x="881149" y="1097280"/>
+            <a:ext cx="2377439" cy="1388225"/>
+          </a:xfrm>
+          <a:prstGeom prst="rect">
+            <a:avLst/>
+          </a:prstGeom>
+        </p:spPr>
+        <p:style>
+          <a:lnRef idx="2">
+            <a:schemeClr val="dk1"/>
+          </a:lnRef>
+          <a:fillRef idx="1">
+            <a:schemeClr val="lt1"/>
+          </a:fillRef>
+          <a:effectRef idx="0">
+            <a:schemeClr val="dk1"/>
+          </a:effectRef>
+          <a:fontRef idx="minor">
+            <a:schemeClr val="dk1"/>
+          </a:fontRef>
+        </p:style>
+        <p:txBody>
+          <a:bodyPr rtlCol="0" anchor="ctr"/>
+          <a:lstStyle/>
+          <a:p>
+            <a:pPr algn="ctr"/>
+            <a:r>
+              <a:rPr lang="zh-CN" altLang="en-US" dirty="0"/>
+              <a:t>用户界面</a:t>
+            </a:r>
+          </a:p>
+        </p:txBody>
+      </p:sp>
+      <p:sp>
+        <p:nvSpPr>
+          <p:cNvPr id="48" name="矩形 47">
+            <a:extLst>
+              <a:ext uri="{FF2B5EF4-FFF2-40B4-BE49-F238E27FC236}">
+                <a16:creationId xmlns:a16="http://schemas.microsoft.com/office/drawing/2014/main" id="{A4546AF7-9A58-F8DE-0F03-63C55DF17D9E}"/>
+              </a:ext>
+            </a:extLst>
+          </p:cNvPr>
+          <p:cNvSpPr/>
+          <p:nvPr/>
+        </p:nvSpPr>
+        <p:spPr>
+          <a:xfrm>
+            <a:off x="1201189" y="2729158"/>
+            <a:ext cx="864524" cy="285553"/>
+          </a:xfrm>
+          <a:prstGeom prst="rect">
+            <a:avLst/>
+          </a:prstGeom>
+        </p:spPr>
+        <p:style>
+          <a:lnRef idx="2">
+            <a:schemeClr val="dk1"/>
+          </a:lnRef>
+          <a:fillRef idx="1">
+            <a:schemeClr val="lt1"/>
+          </a:fillRef>
+          <a:effectRef idx="0">
+            <a:schemeClr val="dk1"/>
+          </a:effectRef>
+          <a:fontRef idx="minor">
+            <a:schemeClr val="dk1"/>
+          </a:fontRef>
+        </p:style>
+        <p:txBody>
+          <a:bodyPr rtlCol="0" anchor="ctr"/>
+          <a:lstStyle/>
+          <a:p>
+            <a:pPr algn="ctr"/>
+            <a:endParaRPr lang="zh-CN" altLang="en-US"/>
+          </a:p>
+        </p:txBody>
+      </p:sp>
+      <p:sp>
+        <p:nvSpPr>
+          <p:cNvPr id="49" name="矩形 48">
+            <a:extLst>
+              <a:ext uri="{FF2B5EF4-FFF2-40B4-BE49-F238E27FC236}">
+                <a16:creationId xmlns:a16="http://schemas.microsoft.com/office/drawing/2014/main" id="{4CFAAC11-8911-3105-BBB7-E685CF02112F}"/>
+              </a:ext>
+            </a:extLst>
+          </p:cNvPr>
+          <p:cNvSpPr/>
+          <p:nvPr/>
+        </p:nvSpPr>
+        <p:spPr>
+          <a:xfrm>
+            <a:off x="2394064" y="2729159"/>
+            <a:ext cx="864524" cy="285553"/>
+          </a:xfrm>
+          <a:prstGeom prst="rect">
+            <a:avLst/>
+          </a:prstGeom>
+        </p:spPr>
+        <p:style>
+          <a:lnRef idx="2">
+            <a:schemeClr val="dk1"/>
+          </a:lnRef>
+          <a:fillRef idx="1">
+            <a:schemeClr val="lt1"/>
+          </a:fillRef>
+          <a:effectRef idx="0">
+            <a:schemeClr val="dk1"/>
+          </a:effectRef>
+          <a:fontRef idx="minor">
+            <a:schemeClr val="dk1"/>
+          </a:fontRef>
+        </p:style>
+        <p:txBody>
+          <a:bodyPr rtlCol="0" anchor="ctr"/>
+          <a:lstStyle/>
+          <a:p>
+            <a:pPr algn="ctr"/>
+            <a:endParaRPr lang="zh-CN" altLang="en-US"/>
+          </a:p>
+        </p:txBody>
+      </p:sp>
+      <p:sp>
+        <p:nvSpPr>
+          <p:cNvPr id="5" name="等腰三角形 4">
+            <a:extLst>
+              <a:ext uri="{FF2B5EF4-FFF2-40B4-BE49-F238E27FC236}">
+                <a16:creationId xmlns:a16="http://schemas.microsoft.com/office/drawing/2014/main" id="{8A8A52C3-3F70-C0AA-89B3-443300A04D83}"/>
+              </a:ext>
+            </a:extLst>
+          </p:cNvPr>
+          <p:cNvSpPr/>
+          <p:nvPr/>
+        </p:nvSpPr>
+        <p:spPr>
+          <a:xfrm rot="20087949">
+            <a:off x="4225637" y="847897"/>
+            <a:ext cx="2000596" cy="1388225"/>
+          </a:xfrm>
+          <a:prstGeom prst="triangle">
+            <a:avLst/>
+          </a:prstGeom>
+        </p:spPr>
+        <p:style>
+          <a:lnRef idx="2">
+            <a:schemeClr val="dk1"/>
+          </a:lnRef>
+          <a:fillRef idx="1">
+            <a:schemeClr val="lt1"/>
+          </a:fillRef>
+          <a:effectRef idx="0">
+            <a:schemeClr val="dk1"/>
+          </a:effectRef>
+          <a:fontRef idx="minor">
+            <a:schemeClr val="dk1"/>
+          </a:fontRef>
+        </p:style>
+        <p:txBody>
+          <a:bodyPr rtlCol="0" anchor="ctr"/>
+          <a:lstStyle/>
+          <a:p>
+            <a:pPr algn="ctr"/>
+            <a:endParaRPr lang="zh-CN" altLang="en-US" dirty="0"/>
+          </a:p>
+        </p:txBody>
+      </p:sp>
+      <p:sp>
+        <p:nvSpPr>
+          <p:cNvPr id="6" name="文本框 5">
+            <a:extLst>
+              <a:ext uri="{FF2B5EF4-FFF2-40B4-BE49-F238E27FC236}">
+                <a16:creationId xmlns:a16="http://schemas.microsoft.com/office/drawing/2014/main" id="{2C12B94F-1840-DB4D-A976-4854EC16B7A1}"/>
+              </a:ext>
+            </a:extLst>
+          </p:cNvPr>
+          <p:cNvSpPr txBox="1"/>
+          <p:nvPr/>
+        </p:nvSpPr>
+        <p:spPr>
+          <a:xfrm>
+            <a:off x="4964584" y="1542009"/>
+            <a:ext cx="1107996" cy="369332"/>
+          </a:xfrm>
+          <a:prstGeom prst="rect">
+            <a:avLst/>
+          </a:prstGeom>
+          <a:noFill/>
+        </p:spPr>
+        <p:txBody>
+          <a:bodyPr wrap="none" rtlCol="0">
+            <a:spAutoFit/>
+          </a:bodyPr>
+          <a:lstStyle/>
+          <a:p>
+            <a:r>
+              <a:rPr lang="zh-CN" altLang="en-US" dirty="0"/>
+              <a:t>基础设施</a:t>
+            </a:r>
+          </a:p>
+        </p:txBody>
+      </p:sp>
+      <p:cxnSp>
+        <p:nvCxnSpPr>
+          <p:cNvPr id="8" name="直接箭头连接符 7">
+            <a:extLst>
+              <a:ext uri="{FF2B5EF4-FFF2-40B4-BE49-F238E27FC236}">
+                <a16:creationId xmlns:a16="http://schemas.microsoft.com/office/drawing/2014/main" id="{4E573C01-8052-528D-5DED-84E80FD50011}"/>
+              </a:ext>
+            </a:extLst>
+          </p:cNvPr>
+          <p:cNvCxnSpPr>
+            <a:stCxn id="5" idx="1"/>
+            <a:endCxn id="4" idx="3"/>
+          </p:cNvCxnSpPr>
+          <p:nvPr/>
+        </p:nvCxnSpPr>
+        <p:spPr>
+          <a:xfrm flipH="1">
+            <a:off x="3449782" y="1754970"/>
+            <a:ext cx="1323608" cy="310743"/>
+          </a:xfrm>
+          <a:prstGeom prst="straightConnector1">
+            <a:avLst/>
+          </a:prstGeom>
+          <a:ln>
+            <a:prstDash val="lgDash"/>
+            <a:tailEnd type="triangle"/>
+          </a:ln>
+        </p:spPr>
+        <p:style>
+          <a:lnRef idx="1">
+            <a:schemeClr val="dk1"/>
+          </a:lnRef>
+          <a:fillRef idx="0">
+            <a:schemeClr val="dk1"/>
+          </a:fillRef>
+          <a:effectRef idx="0">
+            <a:schemeClr val="dk1"/>
+          </a:effectRef>
+          <a:fontRef idx="minor">
+            <a:schemeClr val="tx1"/>
+          </a:fontRef>
+        </p:style>
+      </p:cxnSp>
+      <p:sp>
+        <p:nvSpPr>
+          <p:cNvPr id="9" name="流程图: 磁盘 8">
+            <a:extLst>
+              <a:ext uri="{FF2B5EF4-FFF2-40B4-BE49-F238E27FC236}">
+                <a16:creationId xmlns:a16="http://schemas.microsoft.com/office/drawing/2014/main" id="{53842AA6-2EFA-944F-2C64-B37381465A05}"/>
+              </a:ext>
+            </a:extLst>
+          </p:cNvPr>
+          <p:cNvSpPr/>
+          <p:nvPr/>
+        </p:nvSpPr>
+        <p:spPr>
+          <a:xfrm>
+            <a:off x="7115694" y="839585"/>
+            <a:ext cx="1280160" cy="515389"/>
+          </a:xfrm>
+          <a:prstGeom prst="flowChartMagneticDisk">
+            <a:avLst/>
+          </a:prstGeom>
+        </p:spPr>
+        <p:style>
+          <a:lnRef idx="2">
+            <a:schemeClr val="dk1"/>
+          </a:lnRef>
+          <a:fillRef idx="1">
+            <a:schemeClr val="lt1"/>
+          </a:fillRef>
+          <a:effectRef idx="0">
+            <a:schemeClr val="dk1"/>
+          </a:effectRef>
+          <a:fontRef idx="minor">
+            <a:schemeClr val="dk1"/>
+          </a:fontRef>
+        </p:style>
+        <p:txBody>
+          <a:bodyPr rtlCol="0" anchor="ctr"/>
+          <a:lstStyle/>
+          <a:p>
+            <a:pPr algn="ctr"/>
+            <a:endParaRPr lang="zh-CN" altLang="en-US"/>
+          </a:p>
+        </p:txBody>
+      </p:sp>
+      <p:sp>
+        <p:nvSpPr>
+          <p:cNvPr id="11" name="椭圆 10">
+            <a:extLst>
+              <a:ext uri="{FF2B5EF4-FFF2-40B4-BE49-F238E27FC236}">
+                <a16:creationId xmlns:a16="http://schemas.microsoft.com/office/drawing/2014/main" id="{E611A383-DF4D-DAE9-F19E-A03A6B9681E2}"/>
+              </a:ext>
+            </a:extLst>
+          </p:cNvPr>
+          <p:cNvSpPr/>
+          <p:nvPr/>
+        </p:nvSpPr>
+        <p:spPr>
+          <a:xfrm>
+            <a:off x="6583681" y="2485505"/>
+            <a:ext cx="1645920" cy="1030945"/>
+          </a:xfrm>
+          <a:prstGeom prst="ellipse">
+            <a:avLst/>
+          </a:prstGeom>
+        </p:spPr>
+        <p:style>
+          <a:lnRef idx="2">
+            <a:schemeClr val="dk1"/>
+          </a:lnRef>
+          <a:fillRef idx="1">
+            <a:schemeClr val="lt1"/>
+          </a:fillRef>
+          <a:effectRef idx="0">
+            <a:schemeClr val="dk1"/>
+          </a:effectRef>
+          <a:fontRef idx="minor">
+            <a:schemeClr val="dk1"/>
+          </a:fontRef>
+        </p:style>
+        <p:txBody>
+          <a:bodyPr rtlCol="0" anchor="ctr"/>
+          <a:lstStyle/>
+          <a:p>
+            <a:pPr algn="ctr"/>
+            <a:r>
+              <a:rPr lang="zh-CN" altLang="en-US" dirty="0"/>
+              <a:t>领域模型</a:t>
+            </a:r>
+          </a:p>
+        </p:txBody>
+      </p:sp>
+      <p:sp>
+        <p:nvSpPr>
+          <p:cNvPr id="14" name="矩形 13">
+            <a:extLst>
+              <a:ext uri="{FF2B5EF4-FFF2-40B4-BE49-F238E27FC236}">
+                <a16:creationId xmlns:a16="http://schemas.microsoft.com/office/drawing/2014/main" id="{E3921BD9-A485-3161-FC97-14EC785108FF}"/>
+              </a:ext>
+            </a:extLst>
+          </p:cNvPr>
+          <p:cNvSpPr/>
+          <p:nvPr/>
+        </p:nvSpPr>
+        <p:spPr>
+          <a:xfrm>
+            <a:off x="3094220" y="4243811"/>
+            <a:ext cx="3740728" cy="694115"/>
+          </a:xfrm>
+          <a:prstGeom prst="rect">
+            <a:avLst/>
+          </a:prstGeom>
+        </p:spPr>
+        <p:style>
+          <a:lnRef idx="2">
+            <a:schemeClr val="dk1"/>
+          </a:lnRef>
+          <a:fillRef idx="1">
+            <a:schemeClr val="lt1"/>
+          </a:fillRef>
+          <a:effectRef idx="0">
+            <a:schemeClr val="dk1"/>
+          </a:effectRef>
+          <a:fontRef idx="minor">
+            <a:schemeClr val="dk1"/>
+          </a:fontRef>
+        </p:style>
+        <p:txBody>
+          <a:bodyPr rtlCol="0" anchor="ctr"/>
+          <a:lstStyle/>
+          <a:p>
+            <a:pPr algn="ctr"/>
+            <a:r>
+              <a:rPr lang="zh-CN" altLang="en-US" dirty="0"/>
+              <a:t>应用服务</a:t>
+            </a:r>
+          </a:p>
+        </p:txBody>
+      </p:sp>
+      <p:cxnSp>
+        <p:nvCxnSpPr>
+          <p:cNvPr id="17" name="直接箭头连接符 16">
+            <a:extLst>
+              <a:ext uri="{FF2B5EF4-FFF2-40B4-BE49-F238E27FC236}">
+                <a16:creationId xmlns:a16="http://schemas.microsoft.com/office/drawing/2014/main" id="{48CF7C1E-94C6-31E1-E4DE-C8AC6911551D}"/>
+              </a:ext>
+            </a:extLst>
+          </p:cNvPr>
+          <p:cNvCxnSpPr>
+            <a:stCxn id="5" idx="5"/>
+            <a:endCxn id="9" idx="2"/>
+          </p:cNvCxnSpPr>
+          <p:nvPr/>
+        </p:nvCxnSpPr>
+        <p:spPr>
+          <a:xfrm flipV="1">
+            <a:off x="5678480" y="1097280"/>
+            <a:ext cx="1437214" cy="231770"/>
+          </a:xfrm>
+          <a:prstGeom prst="straightConnector1">
+            <a:avLst/>
+          </a:prstGeom>
+          <a:ln>
+            <a:headEnd type="arrow" w="med" len="med"/>
+            <a:tailEnd type="arrow" w="med" len="med"/>
+          </a:ln>
+        </p:spPr>
+        <p:style>
+          <a:lnRef idx="1">
+            <a:schemeClr val="dk1"/>
+          </a:lnRef>
+          <a:fillRef idx="0">
+            <a:schemeClr val="dk1"/>
+          </a:fillRef>
+          <a:effectRef idx="0">
+            <a:schemeClr val="dk1"/>
+          </a:effectRef>
+          <a:fontRef idx="minor">
+            <a:schemeClr val="tx1"/>
+          </a:fontRef>
+        </p:style>
+      </p:cxnSp>
+      <p:cxnSp>
+        <p:nvCxnSpPr>
+          <p:cNvPr id="21" name="直接箭头连接符 20">
+            <a:extLst>
+              <a:ext uri="{FF2B5EF4-FFF2-40B4-BE49-F238E27FC236}">
+                <a16:creationId xmlns:a16="http://schemas.microsoft.com/office/drawing/2014/main" id="{AF74E1F9-0CF2-8BCD-5B2D-0FCAA9C153EE}"/>
+              </a:ext>
+            </a:extLst>
+          </p:cNvPr>
+          <p:cNvCxnSpPr>
+            <a:endCxn id="11" idx="0"/>
+          </p:cNvCxnSpPr>
+          <p:nvPr/>
+        </p:nvCxnSpPr>
+        <p:spPr>
+          <a:xfrm>
+            <a:off x="6096000" y="1910341"/>
+            <a:ext cx="1310641" cy="575164"/>
+          </a:xfrm>
+          <a:prstGeom prst="straightConnector1">
+            <a:avLst/>
+          </a:prstGeom>
+          <a:ln>
+            <a:headEnd type="arrow" w="med" len="med"/>
+            <a:tailEnd type="arrow" w="med" len="med"/>
+          </a:ln>
+        </p:spPr>
+        <p:style>
+          <a:lnRef idx="1">
+            <a:schemeClr val="dk1"/>
+          </a:lnRef>
+          <a:fillRef idx="0">
+            <a:schemeClr val="dk1"/>
+          </a:fillRef>
+          <a:effectRef idx="0">
+            <a:schemeClr val="dk1"/>
+          </a:effectRef>
+          <a:fontRef idx="minor">
+            <a:schemeClr val="tx1"/>
+          </a:fontRef>
+        </p:style>
+      </p:cxnSp>
+      <p:cxnSp>
+        <p:nvCxnSpPr>
+          <p:cNvPr id="33" name="直接箭头连接符 32">
+            <a:extLst>
+              <a:ext uri="{FF2B5EF4-FFF2-40B4-BE49-F238E27FC236}">
+                <a16:creationId xmlns:a16="http://schemas.microsoft.com/office/drawing/2014/main" id="{DB9D78DF-4000-F2B2-3DF5-21521966912B}"/>
+              </a:ext>
+            </a:extLst>
+          </p:cNvPr>
+          <p:cNvCxnSpPr>
+            <a:cxnSpLocks/>
+            <a:endCxn id="11" idx="2"/>
+          </p:cNvCxnSpPr>
+          <p:nvPr/>
+        </p:nvCxnSpPr>
+        <p:spPr>
+          <a:xfrm>
+            <a:off x="5769033" y="2065712"/>
+            <a:ext cx="814648" cy="935266"/>
+          </a:xfrm>
+          <a:prstGeom prst="straightConnector1">
+            <a:avLst/>
+          </a:prstGeom>
+          <a:ln>
+            <a:prstDash val="lgDash"/>
+            <a:tailEnd type="triangle"/>
+          </a:ln>
+        </p:spPr>
+        <p:style>
+          <a:lnRef idx="1">
+            <a:schemeClr val="dk1"/>
+          </a:lnRef>
+          <a:fillRef idx="0">
+            <a:schemeClr val="dk1"/>
+          </a:fillRef>
+          <a:effectRef idx="0">
+            <a:schemeClr val="dk1"/>
+          </a:effectRef>
+          <a:fontRef idx="minor">
+            <a:schemeClr val="tx1"/>
+          </a:fontRef>
+        </p:style>
+      </p:cxnSp>
+      <p:cxnSp>
+        <p:nvCxnSpPr>
+          <p:cNvPr id="41" name="直接箭头连接符 40">
+            <a:extLst>
+              <a:ext uri="{FF2B5EF4-FFF2-40B4-BE49-F238E27FC236}">
+                <a16:creationId xmlns:a16="http://schemas.microsoft.com/office/drawing/2014/main" id="{1AA96CAF-D946-C6F2-8E12-62AC611EB0EB}"/>
+              </a:ext>
+            </a:extLst>
+          </p:cNvPr>
+          <p:cNvCxnSpPr>
+            <a:stCxn id="5" idx="3"/>
+          </p:cNvCxnSpPr>
+          <p:nvPr/>
+        </p:nvCxnSpPr>
+        <p:spPr>
+          <a:xfrm>
+            <a:off x="5521483" y="2170057"/>
+            <a:ext cx="156997" cy="2073754"/>
+          </a:xfrm>
+          <a:prstGeom prst="straightConnector1">
+            <a:avLst/>
+          </a:prstGeom>
+          <a:ln>
+            <a:headEnd type="arrow" w="med" len="med"/>
+            <a:tailEnd type="arrow" w="med" len="med"/>
+          </a:ln>
+        </p:spPr>
+        <p:style>
+          <a:lnRef idx="1">
+            <a:schemeClr val="dk1"/>
+          </a:lnRef>
+          <a:fillRef idx="0">
+            <a:schemeClr val="dk1"/>
+          </a:fillRef>
+          <a:effectRef idx="0">
+            <a:schemeClr val="dk1"/>
+          </a:effectRef>
+          <a:fontRef idx="minor">
+            <a:schemeClr val="tx1"/>
+          </a:fontRef>
+        </p:style>
+      </p:cxnSp>
+      <p:cxnSp>
+        <p:nvCxnSpPr>
+          <p:cNvPr id="45" name="直接箭头连接符 44">
+            <a:extLst>
+              <a:ext uri="{FF2B5EF4-FFF2-40B4-BE49-F238E27FC236}">
+                <a16:creationId xmlns:a16="http://schemas.microsoft.com/office/drawing/2014/main" id="{96914778-F398-A089-B296-ADE04E7453A3}"/>
+              </a:ext>
+            </a:extLst>
+          </p:cNvPr>
+          <p:cNvCxnSpPr/>
+          <p:nvPr/>
+        </p:nvCxnSpPr>
+        <p:spPr>
+          <a:xfrm flipH="1">
+            <a:off x="4596938" y="2352502"/>
+            <a:ext cx="515389" cy="1891309"/>
+          </a:xfrm>
+          <a:prstGeom prst="straightConnector1">
+            <a:avLst/>
+          </a:prstGeom>
+          <a:ln>
+            <a:prstDash val="lgDash"/>
+            <a:tailEnd type="triangle"/>
+          </a:ln>
+        </p:spPr>
+        <p:style>
+          <a:lnRef idx="1">
+            <a:schemeClr val="dk1"/>
+          </a:lnRef>
+          <a:fillRef idx="0">
+            <a:schemeClr val="dk1"/>
+          </a:fillRef>
+          <a:effectRef idx="0">
+            <a:schemeClr val="dk1"/>
+          </a:effectRef>
+          <a:fontRef idx="minor">
+            <a:schemeClr val="tx1"/>
+          </a:fontRef>
+        </p:style>
+      </p:cxnSp>
+      <p:cxnSp>
+        <p:nvCxnSpPr>
+          <p:cNvPr id="52" name="直接箭头连接符 51">
+            <a:extLst>
+              <a:ext uri="{FF2B5EF4-FFF2-40B4-BE49-F238E27FC236}">
+                <a16:creationId xmlns:a16="http://schemas.microsoft.com/office/drawing/2014/main" id="{E924CCA3-4D3A-C6E8-AB11-340677191EB8}"/>
+              </a:ext>
+            </a:extLst>
+          </p:cNvPr>
+          <p:cNvCxnSpPr>
+            <a:stCxn id="4" idx="2"/>
+          </p:cNvCxnSpPr>
+          <p:nvPr/>
+        </p:nvCxnSpPr>
+        <p:spPr>
+          <a:xfrm>
+            <a:off x="2065713" y="3200400"/>
+            <a:ext cx="1625138" cy="1043411"/>
+          </a:xfrm>
+          <a:prstGeom prst="straightConnector1">
+            <a:avLst/>
+          </a:prstGeom>
+          <a:ln>
+            <a:headEnd type="arrow" w="med" len="med"/>
+            <a:tailEnd type="arrow" w="med" len="med"/>
+          </a:ln>
+        </p:spPr>
+        <p:style>
+          <a:lnRef idx="1">
+            <a:schemeClr val="dk1"/>
+          </a:lnRef>
+          <a:fillRef idx="0">
+            <a:schemeClr val="dk1"/>
+          </a:fillRef>
+          <a:effectRef idx="0">
+            <a:schemeClr val="dk1"/>
+          </a:effectRef>
+          <a:fontRef idx="minor">
+            <a:schemeClr val="tx1"/>
+          </a:fontRef>
+        </p:style>
+      </p:cxnSp>
+    </p:spTree>
+    <p:extLst>
+      <p:ext uri="{BB962C8B-B14F-4D97-AF65-F5344CB8AC3E}">
+        <p14:creationId xmlns:p14="http://schemas.microsoft.com/office/powerpoint/2010/main" val="2864711529"/>
+      </p:ext>
+    </p:extLst>
+  </p:cSld>
+  <p:clrMapOvr>
+    <a:masterClrMapping/>
+  </p:clrMapOvr>
+</p:sld>
+</file>
+
+<file path=ppt/slides/slide6.xml><?xml version="1.0" encoding="utf-8"?>
+<p:sld xmlns:a="http://schemas.openxmlformats.org/drawingml/2006/main" xmlns:r="http://schemas.openxmlformats.org/officeDocument/2006/relationships" xmlns:p="http://schemas.openxmlformats.org/presentationml/2006/main">
+  <p:cSld>
+    <p:spTree>
+      <p:nvGrpSpPr>
+        <p:cNvPr id="1" name=""/>
+        <p:cNvGrpSpPr/>
+        <p:nvPr/>
+      </p:nvGrpSpPr>
+      <p:grpSpPr>
+        <a:xfrm>
+          <a:off x="0" y="0"/>
+          <a:ext cx="0" cy="0"/>
+          <a:chOff x="0" y="0"/>
+          <a:chExt cx="0" cy="0"/>
+        </a:xfrm>
+      </p:grpSpPr>
+      <p:sp>
+        <p:nvSpPr>
+          <p:cNvPr id="14" name="矩形 13">
+            <a:extLst>
+              <a:ext uri="{FF2B5EF4-FFF2-40B4-BE49-F238E27FC236}">
+                <a16:creationId xmlns:a16="http://schemas.microsoft.com/office/drawing/2014/main" id="{E3921BD9-A485-3161-FC97-14EC785108FF}"/>
+              </a:ext>
+            </a:extLst>
+          </p:cNvPr>
+          <p:cNvSpPr/>
+          <p:nvPr/>
+        </p:nvSpPr>
+        <p:spPr>
+          <a:xfrm>
+            <a:off x="6241962" y="1761868"/>
+            <a:ext cx="1462229" cy="533463"/>
+          </a:xfrm>
+          <a:prstGeom prst="rect">
+            <a:avLst/>
+          </a:prstGeom>
+        </p:spPr>
+        <p:style>
+          <a:lnRef idx="2">
+            <a:schemeClr val="dk1"/>
+          </a:lnRef>
+          <a:fillRef idx="1">
+            <a:schemeClr val="lt1"/>
+          </a:fillRef>
+          <a:effectRef idx="0">
+            <a:schemeClr val="dk1"/>
+          </a:effectRef>
+          <a:fontRef idx="minor">
+            <a:schemeClr val="dk1"/>
+          </a:fontRef>
+        </p:style>
+        <p:txBody>
+          <a:bodyPr rtlCol="0" anchor="ctr"/>
+          <a:lstStyle/>
+          <a:p>
+            <a:pPr algn="ctr"/>
+            <a:r>
+              <a:rPr lang="zh-CN" altLang="en-US" dirty="0"/>
+              <a:t>聚合</a:t>
+            </a:r>
+          </a:p>
+        </p:txBody>
+      </p:sp>
+      <p:sp>
+        <p:nvSpPr>
+          <p:cNvPr id="18" name="矩形 17">
+            <a:extLst>
+              <a:ext uri="{FF2B5EF4-FFF2-40B4-BE49-F238E27FC236}">
+                <a16:creationId xmlns:a16="http://schemas.microsoft.com/office/drawing/2014/main" id="{74E421DD-F0F2-8C0C-2C6D-A99827569697}"/>
+              </a:ext>
+            </a:extLst>
+          </p:cNvPr>
+          <p:cNvSpPr/>
+          <p:nvPr/>
+        </p:nvSpPr>
+        <p:spPr>
+          <a:xfrm>
+            <a:off x="6409913" y="1892497"/>
+            <a:ext cx="1462229" cy="533463"/>
+          </a:xfrm>
+          <a:prstGeom prst="rect">
+            <a:avLst/>
+          </a:prstGeom>
+        </p:spPr>
+        <p:style>
+          <a:lnRef idx="2">
+            <a:schemeClr val="dk1"/>
+          </a:lnRef>
+          <a:fillRef idx="1">
+            <a:schemeClr val="lt1"/>
+          </a:fillRef>
+          <a:effectRef idx="0">
+            <a:schemeClr val="dk1"/>
+          </a:effectRef>
+          <a:fontRef idx="minor">
+            <a:schemeClr val="dk1"/>
+          </a:fontRef>
+        </p:style>
+        <p:txBody>
+          <a:bodyPr rtlCol="0" anchor="ctr"/>
+          <a:lstStyle/>
+          <a:p>
+            <a:pPr algn="ctr"/>
+            <a:r>
+              <a:rPr lang="zh-CN" altLang="en-US" dirty="0"/>
+              <a:t>聚合</a:t>
+            </a:r>
+          </a:p>
+        </p:txBody>
+      </p:sp>
+      <p:sp>
+        <p:nvSpPr>
+          <p:cNvPr id="19" name="矩形 18">
+            <a:extLst>
+              <a:ext uri="{FF2B5EF4-FFF2-40B4-BE49-F238E27FC236}">
+                <a16:creationId xmlns:a16="http://schemas.microsoft.com/office/drawing/2014/main" id="{8F31E62F-89B9-BCF6-8ADD-0E6964444D87}"/>
+              </a:ext>
+            </a:extLst>
+          </p:cNvPr>
+          <p:cNvSpPr/>
+          <p:nvPr/>
+        </p:nvSpPr>
+        <p:spPr>
+          <a:xfrm>
+            <a:off x="6577864" y="2023126"/>
+            <a:ext cx="1462229" cy="533463"/>
+          </a:xfrm>
+          <a:prstGeom prst="rect">
+            <a:avLst/>
+          </a:prstGeom>
+        </p:spPr>
+        <p:style>
+          <a:lnRef idx="2">
+            <a:schemeClr val="dk1"/>
+          </a:lnRef>
+          <a:fillRef idx="1">
+            <a:schemeClr val="lt1"/>
+          </a:fillRef>
+          <a:effectRef idx="0">
+            <a:schemeClr val="dk1"/>
+          </a:effectRef>
+          <a:fontRef idx="minor">
+            <a:schemeClr val="dk1"/>
+          </a:fontRef>
+        </p:style>
+        <p:txBody>
+          <a:bodyPr rtlCol="0" anchor="ctr"/>
+          <a:lstStyle/>
+          <a:p>
+            <a:pPr algn="ctr"/>
+            <a:r>
+              <a:rPr lang="zh-CN" altLang="en-US" dirty="0"/>
+              <a:t>聚合</a:t>
+            </a:r>
+          </a:p>
+        </p:txBody>
+      </p:sp>
+      <p:sp>
+        <p:nvSpPr>
+          <p:cNvPr id="20" name="矩形 19">
+            <a:extLst>
+              <a:ext uri="{FF2B5EF4-FFF2-40B4-BE49-F238E27FC236}">
+                <a16:creationId xmlns:a16="http://schemas.microsoft.com/office/drawing/2014/main" id="{48B82D11-1F0F-AA47-63C4-895A8048149D}"/>
+              </a:ext>
+            </a:extLst>
+          </p:cNvPr>
+          <p:cNvSpPr/>
+          <p:nvPr/>
+        </p:nvSpPr>
+        <p:spPr>
+          <a:xfrm>
+            <a:off x="6018028" y="3795943"/>
+            <a:ext cx="1462229" cy="533463"/>
+          </a:xfrm>
+          <a:prstGeom prst="rect">
+            <a:avLst/>
+          </a:prstGeom>
+        </p:spPr>
+        <p:style>
+          <a:lnRef idx="2">
+            <a:schemeClr val="dk1"/>
+          </a:lnRef>
+          <a:fillRef idx="1">
+            <a:schemeClr val="lt1"/>
+          </a:fillRef>
+          <a:effectRef idx="0">
+            <a:schemeClr val="dk1"/>
+          </a:effectRef>
+          <a:fontRef idx="minor">
+            <a:schemeClr val="dk1"/>
+          </a:fontRef>
+        </p:style>
+        <p:txBody>
+          <a:bodyPr rtlCol="0" anchor="ctr"/>
+          <a:lstStyle/>
+          <a:p>
+            <a:pPr algn="ctr"/>
+            <a:r>
+              <a:rPr lang="zh-CN" altLang="en-US" dirty="0"/>
+              <a:t>聚合</a:t>
+            </a:r>
+          </a:p>
+        </p:txBody>
+      </p:sp>
+      <p:grpSp>
+        <p:nvGrpSpPr>
+          <p:cNvPr id="26" name="组合 25">
+            <a:extLst>
+              <a:ext uri="{FF2B5EF4-FFF2-40B4-BE49-F238E27FC236}">
+                <a16:creationId xmlns:a16="http://schemas.microsoft.com/office/drawing/2014/main" id="{0338CB44-769B-2F5B-8132-15EFCAB79CBA}"/>
+              </a:ext>
+            </a:extLst>
+          </p:cNvPr>
+          <p:cNvGrpSpPr/>
+          <p:nvPr/>
+        </p:nvGrpSpPr>
+        <p:grpSpPr>
+          <a:xfrm>
+            <a:off x="2481942" y="2313182"/>
+            <a:ext cx="718457" cy="1377075"/>
+            <a:chOff x="2481942" y="2313182"/>
+            <a:chExt cx="718457" cy="1377075"/>
+          </a:xfrm>
+        </p:grpSpPr>
+        <p:sp>
+          <p:nvSpPr>
+            <p:cNvPr id="2" name="椭圆 1">
+              <a:extLst>
+                <a:ext uri="{FF2B5EF4-FFF2-40B4-BE49-F238E27FC236}">
+                  <a16:creationId xmlns:a16="http://schemas.microsoft.com/office/drawing/2014/main" id="{97A496EC-1ED4-44AB-0F2B-D869A393C38A}"/>
+                </a:ext>
+              </a:extLst>
+            </p:cNvPr>
+            <p:cNvSpPr/>
+            <p:nvPr/>
+          </p:nvSpPr>
+          <p:spPr>
+            <a:xfrm>
+              <a:off x="2607904" y="2313182"/>
+              <a:ext cx="466532" cy="466532"/>
+            </a:xfrm>
+            <a:prstGeom prst="ellipse">
+              <a:avLst/>
+            </a:prstGeom>
+          </p:spPr>
+          <p:style>
+            <a:lnRef idx="2">
+              <a:schemeClr val="dk1"/>
+            </a:lnRef>
+            <a:fillRef idx="1">
+              <a:schemeClr val="lt1"/>
+            </a:fillRef>
+            <a:effectRef idx="0">
+              <a:schemeClr val="dk1"/>
+            </a:effectRef>
+            <a:fontRef idx="minor">
+              <a:schemeClr val="dk1"/>
+            </a:fontRef>
+          </p:style>
+          <p:txBody>
+            <a:bodyPr rtlCol="0" anchor="ctr"/>
+            <a:lstStyle/>
+            <a:p>
+              <a:pPr algn="ctr"/>
+              <a:endParaRPr lang="zh-CN" altLang="en-US">
+                <a:solidFill>
+                  <a:schemeClr val="dk1"/>
+                </a:solidFill>
+              </a:endParaRPr>
+            </a:p>
+          </p:txBody>
+        </p:sp>
+        <p:cxnSp>
+          <p:nvCxnSpPr>
+            <p:cNvPr id="7" name="直接连接符 6">
+              <a:extLst>
+                <a:ext uri="{FF2B5EF4-FFF2-40B4-BE49-F238E27FC236}">
+                  <a16:creationId xmlns:a16="http://schemas.microsoft.com/office/drawing/2014/main" id="{604D7AB7-CAD2-D89F-E7E8-F83A08AF8019}"/>
+                </a:ext>
+              </a:extLst>
+            </p:cNvPr>
+            <p:cNvCxnSpPr/>
+            <p:nvPr/>
+          </p:nvCxnSpPr>
+          <p:spPr>
+            <a:xfrm>
+              <a:off x="2481942" y="3027785"/>
+              <a:ext cx="718457" cy="0"/>
+            </a:xfrm>
+            <a:prstGeom prst="line">
+              <a:avLst/>
+            </a:prstGeom>
+          </p:spPr>
+          <p:style>
+            <a:lnRef idx="2">
+              <a:schemeClr val="dk1"/>
+            </a:lnRef>
+            <a:fillRef idx="0">
+              <a:schemeClr val="dk1"/>
+            </a:fillRef>
+            <a:effectRef idx="1">
+              <a:schemeClr val="dk1"/>
+            </a:effectRef>
+            <a:fontRef idx="minor">
+              <a:schemeClr val="tx1"/>
+            </a:fontRef>
+          </p:style>
+        </p:cxnSp>
+        <p:cxnSp>
+          <p:nvCxnSpPr>
+            <p:cNvPr id="12" name="直接连接符 11">
+              <a:extLst>
+                <a:ext uri="{FF2B5EF4-FFF2-40B4-BE49-F238E27FC236}">
+                  <a16:creationId xmlns:a16="http://schemas.microsoft.com/office/drawing/2014/main" id="{FC2C9669-B91A-E8B8-8638-2D70AF4782B1}"/>
+                </a:ext>
+              </a:extLst>
+            </p:cNvPr>
+            <p:cNvCxnSpPr>
+              <a:cxnSpLocks/>
+            </p:cNvCxnSpPr>
+            <p:nvPr/>
+          </p:nvCxnSpPr>
+          <p:spPr>
+            <a:xfrm>
+              <a:off x="2841172" y="2779714"/>
+              <a:ext cx="0" cy="639955"/>
+            </a:xfrm>
+            <a:prstGeom prst="line">
+              <a:avLst/>
+            </a:prstGeom>
+          </p:spPr>
+          <p:style>
+            <a:lnRef idx="2">
+              <a:schemeClr val="dk1"/>
+            </a:lnRef>
+            <a:fillRef idx="0">
+              <a:schemeClr val="dk1"/>
+            </a:fillRef>
+            <a:effectRef idx="1">
+              <a:schemeClr val="dk1"/>
+            </a:effectRef>
+            <a:fontRef idx="minor">
+              <a:schemeClr val="tx1"/>
+            </a:fontRef>
+          </p:style>
+        </p:cxnSp>
+        <p:cxnSp>
+          <p:nvCxnSpPr>
+            <p:cNvPr id="22" name="直接连接符 21">
+              <a:extLst>
+                <a:ext uri="{FF2B5EF4-FFF2-40B4-BE49-F238E27FC236}">
+                  <a16:creationId xmlns:a16="http://schemas.microsoft.com/office/drawing/2014/main" id="{A8761EBD-95BF-E319-0F41-C75919D9E881}"/>
+                </a:ext>
+              </a:extLst>
+            </p:cNvPr>
+            <p:cNvCxnSpPr/>
+            <p:nvPr/>
+          </p:nvCxnSpPr>
+          <p:spPr>
+            <a:xfrm flipH="1">
+              <a:off x="2640564" y="3419669"/>
+              <a:ext cx="200608" cy="270588"/>
+            </a:xfrm>
+            <a:prstGeom prst="line">
+              <a:avLst/>
+            </a:prstGeom>
+          </p:spPr>
+          <p:style>
+            <a:lnRef idx="2">
+              <a:schemeClr val="dk1"/>
+            </a:lnRef>
+            <a:fillRef idx="0">
+              <a:schemeClr val="dk1"/>
+            </a:fillRef>
+            <a:effectRef idx="1">
+              <a:schemeClr val="dk1"/>
+            </a:effectRef>
+            <a:fontRef idx="minor">
+              <a:schemeClr val="tx1"/>
+            </a:fontRef>
+          </p:style>
+        </p:cxnSp>
+        <p:cxnSp>
+          <p:nvCxnSpPr>
+            <p:cNvPr id="24" name="直接连接符 23">
+              <a:extLst>
+                <a:ext uri="{FF2B5EF4-FFF2-40B4-BE49-F238E27FC236}">
+                  <a16:creationId xmlns:a16="http://schemas.microsoft.com/office/drawing/2014/main" id="{94A7E681-A519-1BE8-0CB9-2BBBF32CB996}"/>
+                </a:ext>
+              </a:extLst>
+            </p:cNvPr>
+            <p:cNvCxnSpPr/>
+            <p:nvPr/>
+          </p:nvCxnSpPr>
+          <p:spPr>
+            <a:xfrm>
+              <a:off x="2841171" y="3429000"/>
+              <a:ext cx="172617" cy="261257"/>
+            </a:xfrm>
+            <a:prstGeom prst="line">
+              <a:avLst/>
+            </a:prstGeom>
+          </p:spPr>
+          <p:style>
+            <a:lnRef idx="2">
+              <a:schemeClr val="dk1"/>
+            </a:lnRef>
+            <a:fillRef idx="0">
+              <a:schemeClr val="dk1"/>
+            </a:fillRef>
+            <a:effectRef idx="1">
+              <a:schemeClr val="dk1"/>
+            </a:effectRef>
+            <a:fontRef idx="minor">
+              <a:schemeClr val="tx1"/>
+            </a:fontRef>
+          </p:style>
+        </p:cxnSp>
+      </p:grpSp>
+      <p:sp>
+        <p:nvSpPr>
+          <p:cNvPr id="44" name="弧形 43">
+            <a:extLst>
+              <a:ext uri="{FF2B5EF4-FFF2-40B4-BE49-F238E27FC236}">
+                <a16:creationId xmlns:a16="http://schemas.microsoft.com/office/drawing/2014/main" id="{A4506DDF-49AA-DBC8-5DC0-FE96AD00157C}"/>
+              </a:ext>
+            </a:extLst>
+          </p:cNvPr>
+          <p:cNvSpPr/>
+          <p:nvPr/>
+        </p:nvSpPr>
+        <p:spPr>
+          <a:xfrm rot="21000646">
+            <a:off x="3042338" y="929702"/>
+            <a:ext cx="3890865" cy="1664334"/>
+          </a:xfrm>
+          <a:prstGeom prst="arc">
+            <a:avLst>
+              <a:gd name="adj1" fmla="val 11339754"/>
+              <a:gd name="adj2" fmla="val 21504154"/>
+            </a:avLst>
+          </a:prstGeom>
+          <a:ln>
+            <a:prstDash val="lgDash"/>
+            <a:headEnd type="arrow" w="med" len="med"/>
+            <a:tailEnd type="none" w="med" len="med"/>
+          </a:ln>
+        </p:spPr>
+        <p:style>
+          <a:lnRef idx="1">
+            <a:schemeClr val="dk1"/>
+          </a:lnRef>
+          <a:fillRef idx="0">
+            <a:schemeClr val="dk1"/>
+          </a:fillRef>
+          <a:effectRef idx="0">
+            <a:schemeClr val="dk1"/>
+          </a:effectRef>
+          <a:fontRef idx="minor">
+            <a:schemeClr val="tx1"/>
+          </a:fontRef>
+        </p:style>
+        <p:txBody>
+          <a:bodyPr rtlCol="0" anchor="ctr"/>
+          <a:lstStyle/>
+          <a:p>
+            <a:pPr algn="ctr"/>
+            <a:endParaRPr lang="zh-CN" altLang="en-US"/>
+          </a:p>
+        </p:txBody>
+      </p:sp>
+      <p:sp>
+        <p:nvSpPr>
+          <p:cNvPr id="50" name="弧形 49">
+            <a:extLst>
+              <a:ext uri="{FF2B5EF4-FFF2-40B4-BE49-F238E27FC236}">
+                <a16:creationId xmlns:a16="http://schemas.microsoft.com/office/drawing/2014/main" id="{72BF039A-D937-F1A9-1EBD-C32672EE6818}"/>
+              </a:ext>
+            </a:extLst>
+          </p:cNvPr>
+          <p:cNvSpPr/>
+          <p:nvPr/>
+        </p:nvSpPr>
+        <p:spPr>
+          <a:xfrm rot="10800000">
+            <a:off x="2983802" y="3461534"/>
+            <a:ext cx="3890865" cy="1664334"/>
+          </a:xfrm>
+          <a:prstGeom prst="arc">
+            <a:avLst>
+              <a:gd name="adj1" fmla="val 11339754"/>
+              <a:gd name="adj2" fmla="val 21504154"/>
+            </a:avLst>
+          </a:prstGeom>
+          <a:ln>
+            <a:prstDash val="lgDash"/>
+            <a:headEnd type="arrow" w="med" len="med"/>
+            <a:tailEnd type="none" w="med" len="med"/>
+          </a:ln>
+        </p:spPr>
+        <p:style>
+          <a:lnRef idx="1">
+            <a:schemeClr val="dk1"/>
+          </a:lnRef>
+          <a:fillRef idx="0">
+            <a:schemeClr val="dk1"/>
+          </a:fillRef>
+          <a:effectRef idx="0">
+            <a:schemeClr val="dk1"/>
+          </a:effectRef>
+          <a:fontRef idx="minor">
+            <a:schemeClr val="tx1"/>
+          </a:fontRef>
+        </p:style>
+        <p:txBody>
+          <a:bodyPr rtlCol="0" anchor="ctr"/>
+          <a:lstStyle/>
+          <a:p>
+            <a:pPr algn="ctr"/>
+            <a:endParaRPr lang="zh-CN" altLang="en-US"/>
+          </a:p>
+        </p:txBody>
+      </p:sp>
+    </p:spTree>
+    <p:extLst>
+      <p:ext uri="{BB962C8B-B14F-4D97-AF65-F5344CB8AC3E}">
+        <p14:creationId xmlns:p14="http://schemas.microsoft.com/office/powerpoint/2010/main" val="3499872930"/>
+      </p:ext>
+    </p:extLst>
+  </p:cSld>
+  <p:clrMapOvr>
+    <a:masterClrMapping/>
+  </p:clrMapOvr>
+</p:sld>
+</file>
+
 <file path=ppt/theme/theme1.xml><?xml version="1.0" encoding="utf-8"?>
 <a:theme xmlns:a="http://schemas.openxmlformats.org/drawingml/2006/main" name="Office 主题​​">
   <a:themeElements>
